--- a/演示文稿1.pptx
+++ b/演示文稿1.pptx
@@ -243,7 +243,7 @@
           <a:p>
             <a:fld id="{627DDBD5-FE7F-49DC-8AB9-E235784CE627}" type="datetimeFigureOut">
               <a:rPr lang="zh-CN" altLang="en-US" smtClean="0"/>
-              <a:t>2014/5/24</a:t>
+              <a:t>2014/9/21</a:t>
             </a:fld>
             <a:endParaRPr lang="zh-CN" altLang="en-US"/>
           </a:p>
@@ -413,7 +413,7 @@
           <a:p>
             <a:fld id="{627DDBD5-FE7F-49DC-8AB9-E235784CE627}" type="datetimeFigureOut">
               <a:rPr lang="zh-CN" altLang="en-US" smtClean="0"/>
-              <a:t>2014/5/24</a:t>
+              <a:t>2014/9/21</a:t>
             </a:fld>
             <a:endParaRPr lang="zh-CN" altLang="en-US"/>
           </a:p>
@@ -593,7 +593,7 @@
           <a:p>
             <a:fld id="{627DDBD5-FE7F-49DC-8AB9-E235784CE627}" type="datetimeFigureOut">
               <a:rPr lang="zh-CN" altLang="en-US" smtClean="0"/>
-              <a:t>2014/5/24</a:t>
+              <a:t>2014/9/21</a:t>
             </a:fld>
             <a:endParaRPr lang="zh-CN" altLang="en-US"/>
           </a:p>
@@ -763,7 +763,7 @@
           <a:p>
             <a:fld id="{627DDBD5-FE7F-49DC-8AB9-E235784CE627}" type="datetimeFigureOut">
               <a:rPr lang="zh-CN" altLang="en-US" smtClean="0"/>
-              <a:t>2014/5/24</a:t>
+              <a:t>2014/9/21</a:t>
             </a:fld>
             <a:endParaRPr lang="zh-CN" altLang="en-US"/>
           </a:p>
@@ -1009,7 +1009,7 @@
           <a:p>
             <a:fld id="{627DDBD5-FE7F-49DC-8AB9-E235784CE627}" type="datetimeFigureOut">
               <a:rPr lang="zh-CN" altLang="en-US" smtClean="0"/>
-              <a:t>2014/5/24</a:t>
+              <a:t>2014/9/21</a:t>
             </a:fld>
             <a:endParaRPr lang="zh-CN" altLang="en-US"/>
           </a:p>
@@ -1241,7 +1241,7 @@
           <a:p>
             <a:fld id="{627DDBD5-FE7F-49DC-8AB9-E235784CE627}" type="datetimeFigureOut">
               <a:rPr lang="zh-CN" altLang="en-US" smtClean="0"/>
-              <a:t>2014/5/24</a:t>
+              <a:t>2014/9/21</a:t>
             </a:fld>
             <a:endParaRPr lang="zh-CN" altLang="en-US"/>
           </a:p>
@@ -1608,7 +1608,7 @@
           <a:p>
             <a:fld id="{627DDBD5-FE7F-49DC-8AB9-E235784CE627}" type="datetimeFigureOut">
               <a:rPr lang="zh-CN" altLang="en-US" smtClean="0"/>
-              <a:t>2014/5/24</a:t>
+              <a:t>2014/9/21</a:t>
             </a:fld>
             <a:endParaRPr lang="zh-CN" altLang="en-US"/>
           </a:p>
@@ -1726,7 +1726,7 @@
           <a:p>
             <a:fld id="{627DDBD5-FE7F-49DC-8AB9-E235784CE627}" type="datetimeFigureOut">
               <a:rPr lang="zh-CN" altLang="en-US" smtClean="0"/>
-              <a:t>2014/5/24</a:t>
+              <a:t>2014/9/21</a:t>
             </a:fld>
             <a:endParaRPr lang="zh-CN" altLang="en-US"/>
           </a:p>
@@ -1821,7 +1821,7 @@
           <a:p>
             <a:fld id="{627DDBD5-FE7F-49DC-8AB9-E235784CE627}" type="datetimeFigureOut">
               <a:rPr lang="zh-CN" altLang="en-US" smtClean="0"/>
-              <a:t>2014/5/24</a:t>
+              <a:t>2014/9/21</a:t>
             </a:fld>
             <a:endParaRPr lang="zh-CN" altLang="en-US"/>
           </a:p>
@@ -2098,7 +2098,7 @@
           <a:p>
             <a:fld id="{627DDBD5-FE7F-49DC-8AB9-E235784CE627}" type="datetimeFigureOut">
               <a:rPr lang="zh-CN" altLang="en-US" smtClean="0"/>
-              <a:t>2014/5/24</a:t>
+              <a:t>2014/9/21</a:t>
             </a:fld>
             <a:endParaRPr lang="zh-CN" altLang="en-US"/>
           </a:p>
@@ -2351,7 +2351,7 @@
           <a:p>
             <a:fld id="{627DDBD5-FE7F-49DC-8AB9-E235784CE627}" type="datetimeFigureOut">
               <a:rPr lang="zh-CN" altLang="en-US" smtClean="0"/>
-              <a:t>2014/5/24</a:t>
+              <a:t>2014/9/21</a:t>
             </a:fld>
             <a:endParaRPr lang="zh-CN" altLang="en-US"/>
           </a:p>
@@ -2564,7 +2564,7 @@
           <a:p>
             <a:fld id="{627DDBD5-FE7F-49DC-8AB9-E235784CE627}" type="datetimeFigureOut">
               <a:rPr lang="zh-CN" altLang="en-US" smtClean="0"/>
-              <a:t>2014/5/24</a:t>
+              <a:t>2014/9/21</a:t>
             </a:fld>
             <a:endParaRPr lang="zh-CN" altLang="en-US"/>
           </a:p>
@@ -3046,7 +3046,7 @@
         </p:nvSpPr>
         <p:spPr>
           <a:xfrm>
-            <a:off x="3806251" y="1278056"/>
+            <a:off x="3819130" y="1548513"/>
             <a:ext cx="3468167" cy="4508927"/>
           </a:xfrm>
           <a:prstGeom prst="rect">

--- a/演示文稿1.pptx
+++ b/演示文稿1.pptx
@@ -2955,6 +2955,41 @@
 <file path=ppt/slides/slide1.xml><?xml version="1.0" encoding="utf-8"?>
 <p:sld xmlns:a="http://schemas.openxmlformats.org/drawingml/2006/main" xmlns:r="http://schemas.openxmlformats.org/officeDocument/2006/relationships" xmlns:p="http://schemas.openxmlformats.org/presentationml/2006/main">
   <p:cSld>
+    <p:bg>
+      <p:bgPr>
+        <a:gradFill flip="none" rotWithShape="1">
+          <a:gsLst>
+            <a:gs pos="0">
+              <a:schemeClr val="accent5">
+                <a:lumMod val="5000"/>
+                <a:lumOff val="95000"/>
+              </a:schemeClr>
+            </a:gs>
+            <a:gs pos="74000">
+              <a:schemeClr val="accent5">
+                <a:lumMod val="45000"/>
+                <a:lumOff val="55000"/>
+              </a:schemeClr>
+            </a:gs>
+            <a:gs pos="83000">
+              <a:schemeClr val="accent5">
+                <a:lumMod val="45000"/>
+                <a:lumOff val="55000"/>
+              </a:schemeClr>
+            </a:gs>
+            <a:gs pos="100000">
+              <a:schemeClr val="accent5">
+                <a:lumMod val="30000"/>
+                <a:lumOff val="70000"/>
+              </a:schemeClr>
+            </a:gs>
+          </a:gsLst>
+          <a:lin ang="5400000" scaled="1"/>
+          <a:tileRect/>
+        </a:gradFill>
+        <a:effectLst/>
+      </p:bgPr>
+    </p:bg>
     <p:spTree>
       <p:nvGrpSpPr>
         <p:cNvPr id="1" name=""/>
@@ -2969,31 +3004,68 @@
           <a:chExt cx="0" cy="0"/>
         </a:xfrm>
       </p:grpSpPr>
-      <p:sp>
-        <p:nvSpPr>
-          <p:cNvPr id="5" name="矩形 4"/>
-          <p:cNvSpPr/>
+      <p:grpSp>
+        <p:nvGrpSpPr>
+          <p:cNvPr id="2" name="组合 1"/>
+          <p:cNvGrpSpPr/>
           <p:nvPr/>
-        </p:nvSpPr>
-        <p:spPr>
-          <a:xfrm rot="10800000">
-            <a:off x="4542491" y="417317"/>
-            <a:ext cx="3468167" cy="4508927"/>
+        </p:nvGrpSpPr>
+        <p:grpSpPr>
+          <a:xfrm>
+            <a:off x="3819130" y="417317"/>
+            <a:ext cx="4191528" cy="5640123"/>
+            <a:chOff x="3819130" y="417317"/>
+            <a:chExt cx="4191528" cy="5640123"/>
           </a:xfrm>
-          <a:prstGeom prst="rect">
-            <a:avLst/>
-          </a:prstGeom>
           <a:noFill/>
-        </p:spPr>
-        <p:txBody>
-          <a:bodyPr wrap="square" lIns="91440" tIns="45720" rIns="91440" bIns="45720">
-            <a:spAutoFit/>
-          </a:bodyPr>
-          <a:lstStyle/>
-          <a:p>
-            <a:pPr algn="ctr"/>
-            <a:r>
-              <a:rPr lang="en-US" altLang="zh-CN" sz="28700" b="1" cap="none" spc="0" dirty="0" smtClean="0">
+        </p:grpSpPr>
+        <p:sp>
+          <p:nvSpPr>
+            <p:cNvPr id="5" name="矩形 4"/>
+            <p:cNvSpPr/>
+            <p:nvPr/>
+          </p:nvSpPr>
+          <p:spPr>
+            <a:xfrm rot="10800000">
+              <a:off x="4542491" y="417317"/>
+              <a:ext cx="3468167" cy="4508927"/>
+            </a:xfrm>
+            <a:prstGeom prst="rect">
+              <a:avLst/>
+            </a:prstGeom>
+            <a:grpFill/>
+          </p:spPr>
+          <p:txBody>
+            <a:bodyPr wrap="square" lIns="91440" tIns="45720" rIns="91440" bIns="45720">
+              <a:spAutoFit/>
+            </a:bodyPr>
+            <a:lstStyle/>
+            <a:p>
+              <a:pPr algn="ctr"/>
+              <a:r>
+                <a:rPr lang="en-US" altLang="zh-CN" sz="28700" b="1" cap="none" spc="0" dirty="0" smtClean="0">
+                  <a:ln w="12700">
+                    <a:solidFill>
+                      <a:schemeClr val="accent3">
+                        <a:lumMod val="50000"/>
+                      </a:schemeClr>
+                    </a:solidFill>
+                    <a:prstDash val="solid"/>
+                  </a:ln>
+                  <a:solidFill>
+                    <a:srgbClr val="00B0F0"/>
+                  </a:solidFill>
+                  <a:effectLst>
+                    <a:innerShdw blurRad="177800">
+                      <a:schemeClr val="accent3">
+                        <a:lumMod val="50000"/>
+                      </a:schemeClr>
+                    </a:innerShdw>
+                  </a:effectLst>
+                </a:rPr>
+                <a:t>U</a:t>
+              </a:r>
+              <a:endParaRPr lang="zh-CN" altLang="en-US" sz="28700" b="1" cap="none" spc="0" dirty="0">
                 <a:ln w="12700">
                   <a:solidFill>
                     <a:schemeClr val="accent3">
@@ -3012,57 +3084,57 @@
                     </a:schemeClr>
                   </a:innerShdw>
                 </a:effectLst>
-              </a:rPr>
-              <a:t>U</a:t>
-            </a:r>
-            <a:endParaRPr lang="zh-CN" altLang="en-US" sz="28700" b="1" cap="none" spc="0" dirty="0">
-              <a:ln w="12700">
-                <a:solidFill>
-                  <a:schemeClr val="accent3">
-                    <a:lumMod val="50000"/>
-                  </a:schemeClr>
-                </a:solidFill>
-                <a:prstDash val="solid"/>
-              </a:ln>
-              <a:solidFill>
-                <a:srgbClr val="00B0F0"/>
-              </a:solidFill>
-              <a:effectLst>
-                <a:innerShdw blurRad="177800">
-                  <a:schemeClr val="accent3">
-                    <a:lumMod val="50000"/>
-                  </a:schemeClr>
-                </a:innerShdw>
-              </a:effectLst>
-            </a:endParaRPr>
-          </a:p>
-        </p:txBody>
-      </p:sp>
-      <p:sp>
-        <p:nvSpPr>
-          <p:cNvPr id="6" name="矩形 5"/>
-          <p:cNvSpPr/>
-          <p:nvPr/>
-        </p:nvSpPr>
-        <p:spPr>
-          <a:xfrm>
-            <a:off x="3819130" y="1548513"/>
-            <a:ext cx="3468167" cy="4508927"/>
-          </a:xfrm>
-          <a:prstGeom prst="rect">
-            <a:avLst/>
-          </a:prstGeom>
-          <a:noFill/>
-        </p:spPr>
-        <p:txBody>
-          <a:bodyPr wrap="square" lIns="91440" tIns="45720" rIns="91440" bIns="45720">
-            <a:spAutoFit/>
-          </a:bodyPr>
-          <a:lstStyle/>
-          <a:p>
-            <a:pPr algn="ctr"/>
-            <a:r>
-              <a:rPr lang="en-US" altLang="zh-CN" sz="28700" b="1" cap="none" spc="0" dirty="0" smtClean="0">
+              </a:endParaRPr>
+            </a:p>
+          </p:txBody>
+        </p:sp>
+        <p:sp>
+          <p:nvSpPr>
+            <p:cNvPr id="6" name="矩形 5"/>
+            <p:cNvSpPr/>
+            <p:nvPr/>
+          </p:nvSpPr>
+          <p:spPr>
+            <a:xfrm>
+              <a:off x="3819130" y="1548513"/>
+              <a:ext cx="3468167" cy="4508927"/>
+            </a:xfrm>
+            <a:prstGeom prst="rect">
+              <a:avLst/>
+            </a:prstGeom>
+            <a:grpFill/>
+          </p:spPr>
+          <p:txBody>
+            <a:bodyPr wrap="square" lIns="91440" tIns="45720" rIns="91440" bIns="45720">
+              <a:spAutoFit/>
+            </a:bodyPr>
+            <a:lstStyle/>
+            <a:p>
+              <a:pPr algn="ctr"/>
+              <a:r>
+                <a:rPr lang="en-US" altLang="zh-CN" sz="28700" b="1" cap="none" spc="0" dirty="0" smtClean="0">
+                  <a:ln w="12700">
+                    <a:solidFill>
+                      <a:schemeClr val="accent3">
+                        <a:lumMod val="50000"/>
+                      </a:schemeClr>
+                    </a:solidFill>
+                    <a:prstDash val="solid"/>
+                  </a:ln>
+                  <a:solidFill>
+                    <a:srgbClr val="00B0F0"/>
+                  </a:solidFill>
+                  <a:effectLst>
+                    <a:innerShdw blurRad="177800">
+                      <a:schemeClr val="accent3">
+                        <a:lumMod val="50000"/>
+                      </a:schemeClr>
+                    </a:innerShdw>
+                  </a:effectLst>
+                </a:rPr>
+                <a:t>U</a:t>
+              </a:r>
+              <a:endParaRPr lang="zh-CN" altLang="en-US" sz="28700" b="1" cap="none" spc="0" dirty="0">
                 <a:ln w="12700">
                   <a:solidFill>
                     <a:schemeClr val="accent3">
@@ -3081,32 +3153,11 @@
                     </a:schemeClr>
                   </a:innerShdw>
                 </a:effectLst>
-              </a:rPr>
-              <a:t>U</a:t>
-            </a:r>
-            <a:endParaRPr lang="zh-CN" altLang="en-US" sz="28700" b="1" cap="none" spc="0" dirty="0">
-              <a:ln w="12700">
-                <a:solidFill>
-                  <a:schemeClr val="accent3">
-                    <a:lumMod val="50000"/>
-                  </a:schemeClr>
-                </a:solidFill>
-                <a:prstDash val="solid"/>
-              </a:ln>
-              <a:solidFill>
-                <a:srgbClr val="00B0F0"/>
-              </a:solidFill>
-              <a:effectLst>
-                <a:innerShdw blurRad="177800">
-                  <a:schemeClr val="accent3">
-                    <a:lumMod val="50000"/>
-                  </a:schemeClr>
-                </a:innerShdw>
-              </a:effectLst>
-            </a:endParaRPr>
-          </a:p>
-        </p:txBody>
-      </p:sp>
+              </a:endParaRPr>
+            </a:p>
+          </p:txBody>
+        </p:sp>
+      </p:grpSp>
     </p:spTree>
     <p:extLst>
       <p:ext uri="{BB962C8B-B14F-4D97-AF65-F5344CB8AC3E}">
